--- a/PPTs/Ziyarah Imam Hussain Arafah.pptx
+++ b/PPTs/Ziyarah Imam Hussain Arafah.pptx
@@ -7358,78 +7358,6 @@
             <a:r>
               <a:rPr lang="en-US" dirty="0"/>
               <a:t>O Allah, I have offered a prayer, genuflected, and prostrated myself</a:t>
-            </a:r>
-          </a:p>
-        </p:txBody>
-      </p:sp>
-      <p:sp>
-        <p:nvSpPr>
-          <p:cNvPr id="120839" name="Rectangle 8"/>
-          <p:cNvSpPr>
-            <a:spLocks noChangeArrowheads="1"/>
-          </p:cNvSpPr>
-          <p:nvPr/>
-        </p:nvSpPr>
-        <p:spPr bwMode="auto">
-          <a:xfrm>
-            <a:off x="1447800" y="338138"/>
-            <a:ext cx="9296400" cy="1016000"/>
-          </a:xfrm>
-          <a:prstGeom prst="rect">
-            <a:avLst/>
-          </a:prstGeom>
-          <a:gradFill rotWithShape="1">
-            <a:gsLst>
-              <a:gs pos="0">
-                <a:srgbClr val="003399"/>
-              </a:gs>
-              <a:gs pos="100000">
-                <a:srgbClr val="001847"/>
-              </a:gs>
-            </a:gsLst>
-            <a:lin ang="5400000" scaled="1"/>
-          </a:gradFill>
-          <a:ln>
-            <a:noFill/>
-          </a:ln>
-          <a:effectLst/>
-          <a:extLst>
-            <a:ext uri="{91240B29-F687-4F45-9708-019B960494DF}">
-              <a14:hiddenLine xmlns:a14="http://schemas.microsoft.com/office/drawing/2010/main" w="9525" algn="ctr">
-                <a:solidFill>
-                  <a:schemeClr val="tx1"/>
-                </a:solidFill>
-                <a:miter lim="800000"/>
-                <a:headEnd/>
-                <a:tailEnd/>
-              </a14:hiddenLine>
-            </a:ext>
-            <a:ext uri="{AF507438-7753-43E0-B8FC-AC1667EBCBE1}">
-              <a14:hiddenEffects xmlns:a14="http://schemas.microsoft.com/office/drawing/2010/main">
-                <a:effectLst>
-                  <a:outerShdw dist="35921" dir="2700000" algn="ctr" rotWithShape="0">
-                    <a:schemeClr val="bg2"/>
-                  </a:outerShdw>
-                </a:effectLst>
-              </a14:hiddenEffects>
-            </a:ext>
-          </a:extLst>
-        </p:spPr>
-        <p:txBody>
-          <a:bodyPr anchor="ctr">
-            <a:spAutoFit/>
-          </a:bodyPr>
-          <a:lstStyle/>
-          <a:p>
-            <a:pPr algn="ctr"/>
-            <a:r>
-              <a:rPr lang="en-US" sz="2000" b="1">
-                <a:solidFill>
-                  <a:srgbClr val="FFFF00"/>
-                </a:solidFill>
-                <a:latin typeface="Trebuchet MS" pitchFamily="34" charset="0"/>
-              </a:rPr>
-              <a:t>You may then kiss the tomb and offer a two-unit prayer in which you may recite any Surah you wish. Upon accomplishment, you may say the following supplicatory words:</a:t>
             </a:r>
           </a:p>
         </p:txBody>

--- a/PPTs/Ziyarah Imam Hussain Arafah.pptx
+++ b/PPTs/Ziyarah Imam Hussain Arafah.pptx
@@ -346,11 +346,6 @@
             <a:srgbClr val="A4A3A4"/>
           </p15:clr>
         </p15:guide>
-        <p15:guide id="2" pos="3904" userDrawn="1">
-          <p15:clr>
-            <a:srgbClr val="A4A3A4"/>
-          </p15:clr>
-        </p15:guide>
       </p15:sldGuideLst>
     </p:ext>
   </p:extLst>
@@ -439,7 +434,7 @@
           <a:p>
             <a:fld id="{0CBA989B-A53A-4C3C-A14F-2A571887B906}" type="datetimeFigureOut">
               <a:rPr lang="en-CA" smtClean="0"/>
-              <a:t>2024-06-16</a:t>
+              <a:t>2024-06-22</a:t>
             </a:fld>
             <a:endParaRPr lang="en-CA"/>
           </a:p>
@@ -6105,15 +6100,7 @@
           <a:p>
             <a:r>
               <a:rPr lang="ar-SA" dirty="0"/>
-              <a:t>عَلَيْنَا </a:t>
-            </a:r>
-            <a:r>
-              <a:rPr lang="ar-SA" dirty="0" err="1"/>
-              <a:t>وَعَلَىٰ</a:t>
-            </a:r>
-            <a:r>
-              <a:rPr lang="ar-SA" dirty="0"/>
-              <a:t> جَمِيعِ اهْلِ </a:t>
+              <a:t>عَلَيْنَا وَعَلٰى جَمِيعِ اهْلِ </a:t>
             </a:r>
             <a:r>
               <a:rPr lang="ar-SA" dirty="0" err="1"/>
@@ -6908,15 +6895,7 @@
           <a:p>
             <a:r>
               <a:rPr lang="ar-SA" dirty="0"/>
-              <a:t>السَّلاَمُ </a:t>
-            </a:r>
-            <a:r>
-              <a:rPr lang="ar-SA" dirty="0" err="1"/>
-              <a:t>عَلَىٰ</a:t>
-            </a:r>
-            <a:r>
-              <a:rPr lang="ar-SA" dirty="0"/>
-              <a:t> رَسُولِ </a:t>
+              <a:t>السَّلاَمُ عَلٰى رَسُولِ </a:t>
             </a:r>
             <a:r>
               <a:rPr lang="ar-SA" dirty="0" err="1"/>
@@ -6924,15 +6903,7 @@
             </a:r>
             <a:r>
               <a:rPr lang="ar-SA" dirty="0"/>
-              <a:t> </a:t>
-            </a:r>
-            <a:r>
-              <a:rPr lang="ar-SA" dirty="0" err="1"/>
-              <a:t>صَلَّىٰ</a:t>
-            </a:r>
-            <a:r>
-              <a:rPr lang="ar-SA" dirty="0"/>
-              <a:t> </a:t>
+              <a:t> صَلَّى </a:t>
             </a:r>
             <a:r>
               <a:rPr lang="ar-SA" dirty="0" err="1"/>
@@ -7036,15 +7007,7 @@
           <a:p>
             <a:r>
               <a:rPr lang="ar-SA" dirty="0"/>
-              <a:t>انْ يُصَلِّيَ </a:t>
-            </a:r>
-            <a:r>
-              <a:rPr lang="ar-SA" dirty="0" err="1"/>
-              <a:t>عَلَىٰ</a:t>
-            </a:r>
-            <a:r>
-              <a:rPr lang="ar-SA" dirty="0"/>
-              <a:t> مُحَمَّدٍ وَآلِ مُحَمَّدٍ</a:t>
+              <a:t>انْ يُصَلِّيَ عَلٰى مُحَمَّدٍ وَآلِ مُحَمَّدٍ</a:t>
             </a:r>
           </a:p>
         </p:txBody>
@@ -7826,15 +7789,7 @@
           <a:p>
             <a:r>
               <a:rPr lang="ar-SA" dirty="0"/>
-              <a:t>اَللَّهُمَّ صَلِّ </a:t>
-            </a:r>
-            <a:r>
-              <a:rPr lang="ar-SA" dirty="0" err="1"/>
-              <a:t>عَلَىٰ</a:t>
-            </a:r>
-            <a:r>
-              <a:rPr lang="ar-SA" dirty="0"/>
-              <a:t> مُحَمَّدٍ وَآلِ مُحَمَّدٍ</a:t>
+              <a:t>اَللَّهُمَّ صَلِّ عَلٰى مُحَمَّدٍ وَآلِ مُحَمَّدٍ</a:t>
             </a:r>
           </a:p>
         </p:txBody>
@@ -8029,15 +7984,7 @@
           <a:p>
             <a:r>
               <a:rPr lang="ar-SA" dirty="0"/>
-              <a:t>السَّلاَمُ </a:t>
-            </a:r>
-            <a:r>
-              <a:rPr lang="ar-SA" dirty="0" err="1"/>
-              <a:t>عَلَىٰ</a:t>
-            </a:r>
-            <a:r>
-              <a:rPr lang="ar-SA" dirty="0"/>
-              <a:t> امِيرِ </a:t>
+              <a:t>السَّلاَمُ عَلٰى امِيرِ </a:t>
             </a:r>
             <a:r>
               <a:rPr lang="ar-SA" dirty="0" err="1"/>
@@ -8337,15 +8284,7 @@
           <a:p>
             <a:r>
               <a:rPr lang="ar-SA" dirty="0"/>
-              <a:t>هَدِيَّةٌ مِنِّي </a:t>
-            </a:r>
-            <a:r>
-              <a:rPr lang="ar-SA" dirty="0" err="1"/>
-              <a:t>إِلَىٰ</a:t>
-            </a:r>
-            <a:r>
-              <a:rPr lang="ar-SA" dirty="0"/>
-              <a:t> مَوْلاَيَ وَسَيِّدِي وَإِمَامِي</a:t>
+              <a:t>هَدِيَّةٌ مِنِّي إِلٰى مَوْلاَيَ وَسَيِّدِي وَإِمَامِي</a:t>
             </a:r>
           </a:p>
         </p:txBody>
@@ -8544,15 +8483,7 @@
           <a:p>
             <a:r>
               <a:rPr lang="ar-SA" dirty="0"/>
-              <a:t>اَللَّهُمَّ صَلِّ </a:t>
-            </a:r>
-            <a:r>
-              <a:rPr lang="ar-SA" dirty="0" err="1"/>
-              <a:t>عَلَىٰ</a:t>
-            </a:r>
-            <a:r>
-              <a:rPr lang="ar-SA" dirty="0"/>
-              <a:t> مُحَمَّدٍ وَآلِ مُحَمَّدٍ</a:t>
+              <a:t>اَللَّهُمَّ صَلِّ عَلٰى مُحَمَّدٍ وَآلِ مُحَمَّدٍ</a:t>
             </a:r>
           </a:p>
         </p:txBody>
@@ -8643,15 +8574,7 @@
           <a:p>
             <a:r>
               <a:rPr lang="ar-SA" dirty="0"/>
-              <a:t>وَتَقَبَّلْ </a:t>
-            </a:r>
-            <a:r>
-              <a:rPr lang="ar-SA" dirty="0" err="1"/>
-              <a:t>ذٰلِكَ</a:t>
-            </a:r>
-            <a:r>
-              <a:rPr lang="ar-SA" dirty="0"/>
-              <a:t> مِنِّي </a:t>
+              <a:t>وَتَقَبَّلْ ذٰلِكَ مِنِّي </a:t>
             </a:r>
             <a:r>
               <a:rPr lang="ar-SA" dirty="0" err="1"/>
@@ -8659,21 +8582,8 @@
             </a:r>
             <a:r>
               <a:rPr lang="ar-SA" dirty="0"/>
-              <a:t> </a:t>
-            </a:r>
-            <a:r>
-              <a:rPr lang="ar-SA" dirty="0" err="1"/>
-              <a:t>عَلَىٰ</a:t>
-            </a:r>
-            <a:r>
-              <a:rPr lang="ar-SA" dirty="0"/>
-              <a:t> </a:t>
-            </a:r>
-            <a:r>
-              <a:rPr lang="ar-SA" dirty="0" err="1"/>
-              <a:t>ذٰلِكَ</a:t>
-            </a:r>
-            <a:endParaRPr lang="ar-SA" dirty="0"/>
+              <a:t> عَلٰى ذٰلِكَ</a:t>
+            </a:r>
           </a:p>
         </p:txBody>
       </p:sp>
@@ -9927,15 +9837,7 @@
           <a:p>
             <a:r>
               <a:rPr lang="ar-SA" dirty="0"/>
-              <a:t>السَّلاَمُ </a:t>
-            </a:r>
-            <a:r>
-              <a:rPr lang="ar-SA" dirty="0" err="1"/>
-              <a:t>عَلَىٰ</a:t>
-            </a:r>
-            <a:r>
-              <a:rPr lang="ar-SA" dirty="0"/>
-              <a:t> فَاطِمَةَ </a:t>
+              <a:t>السَّلاَمُ عَلٰى فَاطِمَةَ </a:t>
             </a:r>
             <a:r>
               <a:rPr lang="ar-SA" dirty="0" err="1"/>
@@ -11070,15 +10972,7 @@
           <a:p>
             <a:r>
               <a:rPr lang="ar-SA" dirty="0"/>
-              <a:t>السَّلاَمُ </a:t>
-            </a:r>
-            <a:r>
-              <a:rPr lang="ar-SA" dirty="0" err="1"/>
-              <a:t>عَلَىٰ</a:t>
-            </a:r>
-            <a:r>
-              <a:rPr lang="ar-SA" dirty="0"/>
-              <a:t> </a:t>
+              <a:t>السَّلاَمُ عَلٰى </a:t>
             </a:r>
             <a:r>
               <a:rPr lang="ar-SA" dirty="0" err="1"/>
@@ -11393,15 +11287,7 @@
           <a:p>
             <a:r>
               <a:rPr lang="ar-SA" dirty="0"/>
-              <a:t>عَلَيْنَا </a:t>
-            </a:r>
-            <a:r>
-              <a:rPr lang="ar-SA" dirty="0" err="1"/>
-              <a:t>وَعَلَىٰ</a:t>
-            </a:r>
-            <a:r>
-              <a:rPr lang="ar-SA" dirty="0"/>
-              <a:t> جَمِيعِ </a:t>
+              <a:t>عَلَيْنَا وَعَلٰى جَمِيعِ </a:t>
             </a:r>
             <a:r>
               <a:rPr lang="ar-SA" dirty="0" err="1"/>
@@ -11596,15 +11482,7 @@
           <a:p>
             <a:r>
               <a:rPr lang="ar-SA" dirty="0"/>
-              <a:t>وَابْرَا </a:t>
-            </a:r>
-            <a:r>
-              <a:rPr lang="ar-SA" dirty="0" err="1"/>
-              <a:t>إِلَىٰ</a:t>
-            </a:r>
-            <a:r>
-              <a:rPr lang="ar-SA" dirty="0"/>
-              <a:t> </a:t>
+              <a:t>وَابْرَا إِلٰى </a:t>
             </a:r>
             <a:r>
               <a:rPr lang="ar-SA" dirty="0" err="1"/>
@@ -12970,15 +12848,7 @@
           <a:p>
             <a:r>
               <a:rPr lang="ar-SA" dirty="0"/>
-              <a:t>السَّلاَمُ </a:t>
-            </a:r>
-            <a:r>
-              <a:rPr lang="ar-SA" dirty="0" err="1"/>
-              <a:t>عَلَىٰ</a:t>
-            </a:r>
-            <a:r>
-              <a:rPr lang="ar-SA" dirty="0"/>
-              <a:t> عَلِيِّ بْنِ </a:t>
+              <a:t>السَّلاَمُ عَلٰى عَلِيِّ بْنِ </a:t>
             </a:r>
             <a:r>
               <a:rPr lang="ar-SA" dirty="0" err="1"/>
@@ -14089,15 +13959,7 @@
           <a:p>
             <a:r>
               <a:rPr lang="ar-SA" dirty="0"/>
-              <a:t>السَّلاَمُ </a:t>
-            </a:r>
-            <a:r>
-              <a:rPr lang="ar-SA" dirty="0" err="1"/>
-              <a:t>عَلَىٰ</a:t>
-            </a:r>
-            <a:r>
-              <a:rPr lang="ar-SA" dirty="0"/>
-              <a:t> مُحَمَّدِ بْنِ عَلِيٍّ</a:t>
+              <a:t>السَّلاَمُ عَلٰى مُحَمَّدِ بْنِ عَلِيٍّ</a:t>
             </a:r>
           </a:p>
         </p:txBody>
@@ -15933,15 +15795,7 @@
           <a:p>
             <a:r>
               <a:rPr lang="ar-SA" dirty="0"/>
-              <a:t>السَّلاَمُ </a:t>
-            </a:r>
-            <a:r>
-              <a:rPr lang="ar-SA" dirty="0" err="1"/>
-              <a:t>عَلَىٰ</a:t>
-            </a:r>
-            <a:r>
-              <a:rPr lang="ar-SA" dirty="0"/>
-              <a:t> جَعْفَرِ بْنِ مُحَمَّدٍ</a:t>
+              <a:t>السَّلاَمُ عَلٰى جَعْفَرِ بْنِ مُحَمَّدٍ</a:t>
             </a:r>
           </a:p>
         </p:txBody>
@@ -16039,16 +15893,12 @@
           <a:lstStyle/>
           <a:p>
             <a:r>
-              <a:rPr lang="ar-SA" dirty="0"/>
-              <a:t>وَاحْوَطِهِمْ </a:t>
-            </a:r>
-            <a:r>
               <a:rPr lang="ar-SA" dirty="0" err="1"/>
-              <a:t>عَلَىٰ</a:t>
-            </a:r>
-            <a:r>
-              <a:rPr lang="ar-SA" dirty="0"/>
-              <a:t> </a:t>
+              <a:t>وَاحْوَطِهِمْ</a:t>
+            </a:r>
+            <a:r>
+              <a:rPr lang="ar-SA" dirty="0"/>
+              <a:t> عَلٰى </a:t>
             </a:r>
             <a:r>
               <a:rPr lang="ar-SA" dirty="0" err="1"/>
@@ -17067,25 +16917,10 @@
           <a:bodyPr/>
           <a:lstStyle/>
           <a:p>
-            <a:r>
-              <a:rPr lang="ar-SA" dirty="0"/>
-              <a:t>السَّلاَمُ </a:t>
-            </a:r>
-            <a:r>
-              <a:rPr lang="ar-SA" dirty="0" err="1"/>
-              <a:t>عَلَىٰ</a:t>
-            </a:r>
-            <a:r>
-              <a:rPr lang="ar-SA" dirty="0"/>
-              <a:t> </a:t>
-            </a:r>
-            <a:r>
-              <a:rPr lang="ar-SA" dirty="0" err="1"/>
-              <a:t>مُوسَىٰ</a:t>
-            </a:r>
-            <a:r>
-              <a:rPr lang="ar-SA" dirty="0"/>
-              <a:t> بْنِ جَعْفَرٍ</a:t>
+            <a:pPr rtl="1"/>
+            <a:r>
+              <a:rPr lang="ar-SA" dirty="0"/>
+              <a:t>السَّلاَمُ عَلٰى مُوسَى بْنِ جَعْفَرٍ</a:t>
             </a:r>
           </a:p>
         </p:txBody>
@@ -17188,15 +17023,7 @@
             </a:r>
             <a:r>
               <a:rPr lang="ar-SA" dirty="0"/>
-              <a:t> </a:t>
-            </a:r>
-            <a:r>
-              <a:rPr lang="ar-SA" dirty="0" err="1"/>
-              <a:t>إِلَىٰ</a:t>
-            </a:r>
-            <a:r>
-              <a:rPr lang="ar-SA" dirty="0"/>
-              <a:t> طَاعَةِ رَبِّهِ</a:t>
+              <a:t> إِلٰى طَاعَةِ رَبِّهِ</a:t>
             </a:r>
           </a:p>
         </p:txBody>
@@ -18152,21 +17979,8 @@
           <a:p>
             <a:r>
               <a:rPr lang="ar-SA" dirty="0"/>
-              <a:t>السَّلاَمُ </a:t>
-            </a:r>
-            <a:r>
-              <a:rPr lang="ar-SA" dirty="0" err="1"/>
-              <a:t>عَلَىٰ</a:t>
-            </a:r>
-            <a:r>
-              <a:rPr lang="ar-SA" dirty="0"/>
-              <a:t> عَلِيِّ بْنِ </a:t>
-            </a:r>
-            <a:r>
-              <a:rPr lang="ar-SA" dirty="0" err="1"/>
-              <a:t>مُوسَىٰ</a:t>
-            </a:r>
-            <a:endParaRPr lang="ar-SA" dirty="0"/>
+              <a:t>السَّلاَمُ عَلٰى عَلِيِّ بْنِ مُوسَىٰ</a:t>
+            </a:r>
           </a:p>
         </p:txBody>
       </p:sp>
@@ -18260,15 +18074,7 @@
             </a:r>
             <a:r>
               <a:rPr lang="ar-SA" dirty="0"/>
-              <a:t> انْ تُصَلِّيَ </a:t>
-            </a:r>
-            <a:r>
-              <a:rPr lang="ar-SA" dirty="0" err="1"/>
-              <a:t>عَلَىٰ</a:t>
-            </a:r>
-            <a:r>
-              <a:rPr lang="ar-SA" dirty="0"/>
-              <a:t> مُحَمَّدٍ وَآلِ مُحَمَّدٍ</a:t>
+              <a:t> انْ تُصَلِّيَ عَلٰى مُحَمَّدٍ وَآلِ مُحَمَّدٍ</a:t>
             </a:r>
           </a:p>
         </p:txBody>
@@ -19309,15 +19115,7 @@
           <a:p>
             <a:r>
               <a:rPr lang="ar-SA" dirty="0"/>
-              <a:t>السَّلاَمُ </a:t>
-            </a:r>
-            <a:r>
-              <a:rPr lang="ar-SA" dirty="0" err="1"/>
-              <a:t>عَلَىٰ</a:t>
-            </a:r>
-            <a:r>
-              <a:rPr lang="ar-SA" dirty="0"/>
-              <a:t> مُحَمَّدِ بْنِ عَلِيٍّ</a:t>
+              <a:t>السَّلاَمُ عَلٰى مُحَمَّدِ بْنِ عَلِيٍّ</a:t>
             </a:r>
           </a:p>
         </p:txBody>
@@ -20034,15 +19832,7 @@
           <a:p>
             <a:r>
               <a:rPr lang="ar-SA" dirty="0"/>
-              <a:t>السَّلاَمُ </a:t>
-            </a:r>
-            <a:r>
-              <a:rPr lang="ar-SA" dirty="0" err="1"/>
-              <a:t>عَلَىٰ</a:t>
-            </a:r>
-            <a:r>
-              <a:rPr lang="ar-SA" dirty="0"/>
-              <a:t> عَلِيِّ بْنِ مُحَمَّدٍ</a:t>
+              <a:t>السَّلاَمُ عَلٰى عَلِيِّ بْنِ مُحَمَّدٍ</a:t>
             </a:r>
           </a:p>
         </p:txBody>
@@ -20133,15 +19923,7 @@
           <a:p>
             <a:r>
               <a:rPr lang="ar-SA" dirty="0"/>
-              <a:t>السَّلاَمُ </a:t>
-            </a:r>
-            <a:r>
-              <a:rPr lang="ar-SA" dirty="0" err="1"/>
-              <a:t>عَلَىٰ</a:t>
-            </a:r>
-            <a:r>
-              <a:rPr lang="ar-SA" dirty="0"/>
-              <a:t> </a:t>
+              <a:t>السَّلاَمُ عَلٰى </a:t>
             </a:r>
             <a:r>
               <a:rPr lang="ar-SA" dirty="0" err="1"/>
@@ -20248,15 +20030,7 @@
           <a:p>
             <a:r>
               <a:rPr lang="ar-SA" dirty="0"/>
-              <a:t>السَّلاَمُ </a:t>
-            </a:r>
-            <a:r>
-              <a:rPr lang="ar-SA" dirty="0" err="1"/>
-              <a:t>عَلَىٰ</a:t>
-            </a:r>
-            <a:r>
-              <a:rPr lang="ar-SA" dirty="0"/>
-              <a:t> </a:t>
+              <a:t>السَّلاَمُ عَلٰى </a:t>
             </a:r>
             <a:r>
               <a:rPr lang="ar-SA" dirty="0" err="1"/>
@@ -21067,15 +20841,7 @@
           <a:p>
             <a:r>
               <a:rPr lang="ar-SA" dirty="0"/>
-              <a:t>وَتَقَرَّبَ </a:t>
-            </a:r>
-            <a:r>
-              <a:rPr lang="ar-SA" dirty="0" err="1"/>
-              <a:t>إِلَىٰ</a:t>
-            </a:r>
-            <a:r>
-              <a:rPr lang="ar-SA" dirty="0"/>
-              <a:t> </a:t>
+              <a:t>وَتَقَرَّبَ إِلٰى </a:t>
             </a:r>
             <a:r>
               <a:rPr lang="ar-SA" dirty="0" err="1"/>
@@ -21741,17 +21507,10 @@
           <a:bodyPr/>
           <a:lstStyle/>
           <a:p>
-            <a:r>
-              <a:rPr lang="ar-SA" dirty="0"/>
-              <a:t>اَلسَّلاَمُ عَلَيْكَ يَا وَارِثَ </a:t>
-            </a:r>
-            <a:r>
-              <a:rPr lang="ar-SA" dirty="0" err="1"/>
-              <a:t>مُوسَىٰ</a:t>
-            </a:r>
-            <a:r>
-              <a:rPr lang="ar-SA" dirty="0"/>
-              <a:t> كَلِيمِ </a:t>
+            <a:pPr rtl="1"/>
+            <a:r>
+              <a:rPr lang="ar-SA" dirty="0"/>
+              <a:t>اَلسَّلاَمُ عَلَيْكَ يَا وَارِثَ مُوسٰى كَلِيمِ </a:t>
             </a:r>
             <a:r>
               <a:rPr lang="ar-SA" dirty="0" err="1"/>
@@ -21845,17 +21604,10 @@
           <a:bodyPr/>
           <a:lstStyle/>
           <a:p>
-            <a:r>
-              <a:rPr lang="ar-SA" dirty="0"/>
-              <a:t>اَلسَّلاَمُ عَلَيْكَ يَا وَارِثَ </a:t>
-            </a:r>
-            <a:r>
-              <a:rPr lang="ar-SA" dirty="0" err="1"/>
-              <a:t>عِيسَىٰ</a:t>
-            </a:r>
-            <a:r>
-              <a:rPr lang="ar-SA" dirty="0"/>
-              <a:t> رُوحِ </a:t>
+            <a:pPr rtl="1"/>
+            <a:r>
+              <a:rPr lang="ar-SA" dirty="0"/>
+              <a:t>اَلسَّلاَمُ عَلَيْكَ يَا وَارِثَ عِيسٰى رُوحِ </a:t>
             </a:r>
             <a:r>
               <a:rPr lang="ar-SA" dirty="0" err="1"/>
@@ -22328,13 +22080,14 @@
           <a:bodyPr/>
           <a:lstStyle/>
           <a:p>
+            <a:pPr rtl="1"/>
             <a:r>
               <a:rPr lang="ar-SA" dirty="0"/>
               <a:t>اَلسَّلاَمُ عَلَيكَ يَا بْنَ محَمَّدٍ </a:t>
             </a:r>
             <a:r>
               <a:rPr lang="ar-SA" dirty="0" err="1"/>
-              <a:t>ٱلْمُصْطَفَىٰ</a:t>
+              <a:t>ٱلْمُصْطَفٰى</a:t>
             </a:r>
             <a:endParaRPr lang="ar-SA" dirty="0"/>
           </a:p>
@@ -22424,13 +22177,14 @@
           <a:bodyPr/>
           <a:lstStyle/>
           <a:p>
+            <a:pPr rtl="1"/>
             <a:r>
               <a:rPr lang="ar-SA" dirty="0"/>
               <a:t>اَلسَّلاَمُ عَلَيْكَ يَا بْنَ عَلِيٍّ </a:t>
             </a:r>
             <a:r>
               <a:rPr lang="ar-SA" dirty="0" err="1"/>
-              <a:t>ٱلْمُرْتَضَىٰ</a:t>
+              <a:t>ٱلْمُرْتَضٰى</a:t>
             </a:r>
             <a:endParaRPr lang="ar-SA" dirty="0"/>
           </a:p>
@@ -22616,13 +22370,14 @@
           <a:bodyPr/>
           <a:lstStyle/>
           <a:p>
+            <a:pPr rtl="1"/>
             <a:r>
               <a:rPr lang="ar-SA" dirty="0"/>
               <a:t>اَلسَّلاَمُ عَلَيْكَ يَا بْنَ خَدِيـجَةَ </a:t>
             </a:r>
             <a:r>
               <a:rPr lang="ar-SA" dirty="0" err="1"/>
-              <a:t>ٱلْكُبْرَىٰ</a:t>
+              <a:t>ٱلْكُبْرٰى</a:t>
             </a:r>
             <a:endParaRPr lang="ar-SA" dirty="0"/>
           </a:p>
@@ -23415,6 +23170,7 @@
           <a:bodyPr/>
           <a:lstStyle/>
           <a:p>
+            <a:pPr rtl="1"/>
             <a:r>
               <a:rPr lang="ar-SA" dirty="0"/>
               <a:t>وَاطَعْتَ </a:t>
@@ -23425,15 +23181,7 @@
             </a:r>
             <a:r>
               <a:rPr lang="ar-SA" dirty="0"/>
-              <a:t> </a:t>
-            </a:r>
-            <a:r>
-              <a:rPr lang="ar-SA" dirty="0" err="1"/>
-              <a:t>حَتَّىٰ</a:t>
-            </a:r>
-            <a:r>
-              <a:rPr lang="ar-SA" dirty="0"/>
-              <a:t> اتَاكَ </a:t>
+              <a:t> حَتّٰى اتَاكَ </a:t>
             </a:r>
             <a:r>
               <a:rPr lang="ar-SA" dirty="0" err="1"/>
@@ -24119,9 +23867,10 @@
           <a:bodyPr/>
           <a:lstStyle/>
           <a:p>
-            <a:r>
-              <a:rPr lang="ar-SA" dirty="0"/>
-              <a:t>انِّي بِكُمْ مُؤْمِنٌ وَبِإِيَابِكُمْ</a:t>
+            <a:pPr rtl="1"/>
+            <a:r>
+              <a:rPr lang="ar-SA" dirty="0"/>
+              <a:t>أنِّي بِكُمْ مُؤْمِنٌ وَبِإِيَابِكُمْ</a:t>
             </a:r>
           </a:p>
         </p:txBody>
@@ -24406,15 +24155,7 @@
           <a:p>
             <a:r>
               <a:rPr lang="ar-SA" dirty="0"/>
-              <a:t>وَمُنْقَلَبِي </a:t>
-            </a:r>
-            <a:r>
-              <a:rPr lang="ar-SA" dirty="0" err="1"/>
-              <a:t>إِلَىٰ</a:t>
-            </a:r>
-            <a:r>
-              <a:rPr lang="ar-SA" dirty="0"/>
-              <a:t> رَبِّي</a:t>
+              <a:t>وَمُنْقَلَبِي إِلٰى رَبِّي</a:t>
             </a:r>
           </a:p>
         </p:txBody>
@@ -24602,21 +24343,10 @@
           <a:bodyPr/>
           <a:lstStyle/>
           <a:p>
-            <a:r>
-              <a:rPr lang="ar-SA" dirty="0" err="1"/>
-              <a:t>وَعَلَىٰ</a:t>
-            </a:r>
-            <a:r>
-              <a:rPr lang="ar-SA" dirty="0"/>
-              <a:t> ارْوَاحِكُمْ </a:t>
-            </a:r>
-            <a:r>
-              <a:rPr lang="ar-SA" dirty="0" err="1"/>
-              <a:t>وَعَلَىٰ</a:t>
-            </a:r>
-            <a:r>
-              <a:rPr lang="ar-SA" dirty="0"/>
-              <a:t> اجْسَادِكُمْ</a:t>
+            <a:pPr rtl="1"/>
+            <a:r>
+              <a:rPr lang="ar-SA" dirty="0"/>
+              <a:t>وَعَلٰى أرْوَاحِكُمْ وَعَلٰى أجْسَادِكُمْ</a:t>
             </a:r>
           </a:p>
         </p:txBody>
@@ -24706,20 +24436,8 @@
           <a:lstStyle/>
           <a:p>
             <a:r>
-              <a:rPr lang="ar-SA" dirty="0" err="1"/>
-              <a:t>وَعَلَىٰ</a:t>
-            </a:r>
-            <a:r>
-              <a:rPr lang="ar-SA" dirty="0"/>
-              <a:t> شَاهِدِكُمْ </a:t>
-            </a:r>
-            <a:r>
-              <a:rPr lang="ar-SA" dirty="0" err="1"/>
-              <a:t>وَعَلَىٰ</a:t>
-            </a:r>
-            <a:r>
-              <a:rPr lang="ar-SA" dirty="0"/>
-              <a:t> غَائِبِكُمْ</a:t>
+              <a:rPr lang="ar-SA" dirty="0"/>
+              <a:t>وَعَلٰى شَاهِدِكُمْ وَعَلٰى غَائِبِكُمْ</a:t>
             </a:r>
           </a:p>
         </p:txBody>
@@ -25217,15 +24935,7 @@
             </a:r>
             <a:r>
               <a:rPr lang="ar-SA" dirty="0"/>
-              <a:t> </a:t>
-            </a:r>
-            <a:r>
-              <a:rPr lang="ar-SA" dirty="0" err="1"/>
-              <a:t>إِلَىٰ</a:t>
-            </a:r>
-            <a:r>
-              <a:rPr lang="ar-SA" dirty="0"/>
-              <a:t> جَنَّاتِ </a:t>
+              <a:t> إِلٰى جَنَّاتِ </a:t>
             </a:r>
             <a:r>
               <a:rPr lang="ar-SA" dirty="0" err="1"/>
@@ -25812,15 +25522,7 @@
             </a:r>
             <a:r>
               <a:rPr lang="ar-SA" dirty="0"/>
-              <a:t> </a:t>
-            </a:r>
-            <a:r>
-              <a:rPr lang="ar-SA" dirty="0" err="1"/>
-              <a:t>عَلَىٰ</a:t>
-            </a:r>
-            <a:r>
-              <a:rPr lang="ar-SA" dirty="0"/>
-              <a:t> اهْلِ </a:t>
+              <a:t> عَلٰى اهْلِ </a:t>
             </a:r>
             <a:r>
               <a:rPr lang="ar-SA" dirty="0" err="1"/>
@@ -26696,12 +26398,8 @@
           <a:lstStyle/>
           <a:p>
             <a:r>
-              <a:rPr lang="ar-SA" dirty="0" err="1"/>
-              <a:t>وَعَلَىٰ</a:t>
-            </a:r>
-            <a:r>
-              <a:rPr lang="ar-SA" dirty="0"/>
-              <a:t> آبَائِكَ وَابْنَائِكَ</a:t>
+              <a:rPr lang="ar-SA" dirty="0"/>
+              <a:t>وَعَلٰى آبَائِكَ وَابْنَائِكَ</a:t>
             </a:r>
           </a:p>
         </p:txBody>
@@ -27212,15 +26910,7 @@
           <a:p>
             <a:r>
               <a:rPr lang="ar-SA" dirty="0"/>
-              <a:t>فَقُتِلْتَ </a:t>
-            </a:r>
-            <a:r>
-              <a:rPr lang="ar-SA" dirty="0" err="1"/>
-              <a:t>صَلَّىٰ</a:t>
-            </a:r>
-            <a:r>
-              <a:rPr lang="ar-SA" dirty="0"/>
-              <a:t> </a:t>
+              <a:t>فَقُتِلْتَ صَلَّى </a:t>
             </a:r>
             <a:r>
               <a:rPr lang="ar-SA" dirty="0" err="1"/>
@@ -27327,15 +27017,7 @@
             </a:r>
             <a:r>
               <a:rPr lang="ar-SA" dirty="0"/>
-              <a:t> </a:t>
-            </a:r>
-            <a:r>
-              <a:rPr lang="ar-SA" dirty="0" err="1"/>
-              <a:t>صَلَّىٰ</a:t>
-            </a:r>
-            <a:r>
-              <a:rPr lang="ar-SA" dirty="0"/>
-              <a:t> </a:t>
+              <a:t> صَلَّى </a:t>
             </a:r>
             <a:r>
               <a:rPr lang="ar-SA" dirty="0" err="1"/>
@@ -27637,15 +27319,7 @@
           <a:p>
             <a:r>
               <a:rPr lang="ar-SA" dirty="0"/>
-              <a:t>اَلسَّلاَمُ عَلَيْكَ </a:t>
-            </a:r>
-            <a:r>
-              <a:rPr lang="ar-SA" dirty="0" err="1"/>
-              <a:t>وَعَلَىٰ</a:t>
-            </a:r>
-            <a:r>
-              <a:rPr lang="ar-SA" dirty="0"/>
-              <a:t> جَدِّكَ وَابِيكَ</a:t>
+              <a:t>اَلسَّلاَمُ عَلَيْكَ وَعَلٰى جَدِّكَ وَابِيكَ</a:t>
             </a:r>
           </a:p>
         </p:txBody>
@@ -27826,12 +27500,8 @@
           <a:lstStyle/>
           <a:p>
             <a:r>
-              <a:rPr lang="ar-SA" dirty="0" err="1"/>
-              <a:t>وَعَلَىٰ</a:t>
-            </a:r>
-            <a:r>
-              <a:rPr lang="ar-SA" dirty="0"/>
-              <a:t> </a:t>
+              <a:rPr lang="ar-SA" dirty="0"/>
+              <a:t>وَعَلٰى </a:t>
             </a:r>
             <a:r>
               <a:rPr lang="ar-SA" dirty="0" err="1"/>
@@ -27929,12 +27599,8 @@
           <a:lstStyle/>
           <a:p>
             <a:r>
-              <a:rPr lang="ar-SA" dirty="0" err="1"/>
-              <a:t>وَعَلَىٰ</a:t>
-            </a:r>
-            <a:r>
-              <a:rPr lang="ar-SA" dirty="0"/>
-              <a:t> </a:t>
+              <a:rPr lang="ar-SA" dirty="0"/>
+              <a:t>وَعَلٰى </a:t>
             </a:r>
             <a:r>
               <a:rPr lang="ar-SA" dirty="0" err="1"/>
@@ -28032,12 +27698,8 @@
           <a:lstStyle/>
           <a:p>
             <a:r>
-              <a:rPr lang="ar-SA" dirty="0" err="1"/>
-              <a:t>وَعَلَىٰ</a:t>
-            </a:r>
-            <a:r>
-              <a:rPr lang="ar-SA" dirty="0"/>
-              <a:t> </a:t>
+              <a:rPr lang="ar-SA" dirty="0"/>
+              <a:t>وَعَلٰى </a:t>
             </a:r>
             <a:r>
               <a:rPr lang="ar-SA" dirty="0" err="1"/>
@@ -28251,15 +27913,7 @@
             </a:r>
             <a:r>
               <a:rPr lang="ar-SA" dirty="0"/>
-              <a:t> </a:t>
-            </a:r>
-            <a:r>
-              <a:rPr lang="ar-SA" dirty="0" err="1"/>
-              <a:t>عَلَىٰ</a:t>
-            </a:r>
-            <a:r>
-              <a:rPr lang="ar-SA" dirty="0"/>
-              <a:t> دُعَاءِ شِيعَتِكَ</a:t>
+              <a:t> عَلٰى دُعَاءِ شِيعَتِكَ</a:t>
             </a:r>
           </a:p>
         </p:txBody>
